--- a/presentations/AWS-Services-pklanka.pptx
+++ b/presentations/AWS-Services-pklanka.pptx
@@ -29,7 +29,8 @@
     <p:sldId id="270" r:id="rId23"/>
     <p:sldId id="274" r:id="rId24"/>
     <p:sldId id="275" r:id="rId25"/>
-    <p:sldId id="262" r:id="rId26"/>
+    <p:sldId id="284" r:id="rId26"/>
+    <p:sldId id="262" r:id="rId27"/>
   </p:sldIdLst>
   <p:sldSz cx="12192000" cy="6858000"/>
   <p:notesSz cx="6858000" cy="9144000"/>
@@ -472,7 +473,7 @@
             <a:fld id="{5923F103-BC34-4FE4-A40E-EDDEECFDA5D0}" type="datetimeFigureOut">
               <a:rPr lang="en-US" dirty="0"/>
               <a:pPr/>
-              <a:t>5/8/19</a:t>
+              <a:t>5/10/19</a:t>
             </a:fld>
             <a:endParaRPr lang="en-US" dirty="0"/>
           </a:p>
@@ -1556,7 +1557,7 @@
           <a:p>
             <a:fld id="{923A1CC3-2375-41D4-9E03-427CAF2A4C1A}" type="datetimeFigureOut">
               <a:rPr lang="en-US" dirty="0"/>
-              <a:t>5/8/19</a:t>
+              <a:t>5/10/19</a:t>
             </a:fld>
             <a:endParaRPr lang="en-US" dirty="0"/>
           </a:p>
@@ -2532,7 +2533,7 @@
           <a:p>
             <a:fld id="{AFF16868-8199-4C2C-A5B1-63AEE139F88E}" type="datetimeFigureOut">
               <a:rPr lang="en-US" dirty="0"/>
-              <a:t>5/8/19</a:t>
+              <a:t>5/10/19</a:t>
             </a:fld>
             <a:endParaRPr lang="en-US" dirty="0"/>
           </a:p>
@@ -3662,7 +3663,7 @@
           <a:p>
             <a:fld id="{AAD9FF7F-6988-44CC-821B-644E70CD2F73}" type="datetimeFigureOut">
               <a:rPr lang="en-US" dirty="0"/>
-              <a:t>5/8/19</a:t>
+              <a:t>5/10/19</a:t>
             </a:fld>
             <a:endParaRPr lang="en-US" dirty="0"/>
           </a:p>
@@ -4691,7 +4692,7 @@
           <a:p>
             <a:fld id="{5C12C299-16B2-4475-990D-751901EACC14}" type="datetimeFigureOut">
               <a:rPr lang="en-US" dirty="0"/>
-              <a:t>5/8/19</a:t>
+              <a:t>5/10/19</a:t>
             </a:fld>
             <a:endParaRPr lang="en-US" dirty="0"/>
           </a:p>
@@ -5347,7 +5348,7 @@
           <a:p>
             <a:fld id="{9FE86839-B9D8-4651-8783-F325ECE74E65}" type="datetimeFigureOut">
               <a:rPr lang="en-US" dirty="0"/>
-              <a:t>5/8/19</a:t>
+              <a:t>5/10/19</a:t>
             </a:fld>
             <a:endParaRPr lang="en-US" dirty="0"/>
           </a:p>
@@ -6204,7 +6205,7 @@
           <a:p>
             <a:fld id="{FD484F64-32F6-45C5-931F-ADC1662401D0}" type="datetimeFigureOut">
               <a:rPr lang="en-US" dirty="0"/>
-              <a:t>5/8/19</a:t>
+              <a:t>5/10/19</a:t>
             </a:fld>
             <a:endParaRPr lang="en-US" dirty="0"/>
           </a:p>
@@ -6390,7 +6391,7 @@
           <a:p>
             <a:fld id="{53086D93-FCAC-47E0-A2EE-787E62CA814C}" type="datetimeFigureOut">
               <a:rPr lang="en-US" dirty="0"/>
-              <a:t>5/8/19</a:t>
+              <a:t>5/10/19</a:t>
             </a:fld>
             <a:endParaRPr lang="en-US" dirty="0"/>
           </a:p>
@@ -7358,7 +7359,7 @@
           <a:p>
             <a:fld id="{CDA879A6-0FD0-4734-A311-86BFCA472E6E}" type="datetimeFigureOut">
               <a:rPr lang="en-US" dirty="0"/>
-              <a:t>5/8/19</a:t>
+              <a:t>5/10/19</a:t>
             </a:fld>
             <a:endParaRPr lang="en-US" dirty="0"/>
           </a:p>
@@ -7565,7 +7566,7 @@
           <a:p>
             <a:fld id="{19C9CA7B-DFD4-44B5-8C60-D14B8CD1FB59}" type="datetimeFigureOut">
               <a:rPr lang="en-US" dirty="0"/>
-              <a:t>5/8/19</a:t>
+              <a:t>5/10/19</a:t>
             </a:fld>
             <a:endParaRPr lang="en-US" dirty="0"/>
           </a:p>
@@ -8595,7 +8596,7 @@
           <a:p>
             <a:fld id="{F34E6425-0181-43F2-84FC-787E803FD2F8}" type="datetimeFigureOut">
               <a:rPr lang="en-US" dirty="0"/>
-              <a:t>5/8/19</a:t>
+              <a:t>5/10/19</a:t>
             </a:fld>
             <a:endParaRPr lang="en-US" dirty="0"/>
           </a:p>
@@ -8863,7 +8864,7 @@
           <a:p>
             <a:fld id="{3BDB8791-F1B0-41E7-B7FD-A781E65C4266}" type="datetimeFigureOut">
               <a:rPr lang="en-US" dirty="0"/>
-              <a:t>5/8/19</a:t>
+              <a:t>5/10/19</a:t>
             </a:fld>
             <a:endParaRPr lang="en-US" dirty="0"/>
           </a:p>
@@ -9269,7 +9270,7 @@
           <a:p>
             <a:fld id="{5FDD63B2-E120-4ED8-B27B-C685F510A5FE}" type="datetimeFigureOut">
               <a:rPr lang="en-US" dirty="0"/>
-              <a:t>5/8/19</a:t>
+              <a:t>5/10/19</a:t>
             </a:fld>
             <a:endParaRPr lang="en-US" dirty="0"/>
           </a:p>
@@ -9392,7 +9393,7 @@
           <a:p>
             <a:fld id="{7AA18ACC-A947-437B-A130-35BD54FDF1E9}" type="datetimeFigureOut">
               <a:rPr lang="en-US" dirty="0"/>
-              <a:t>5/8/19</a:t>
+              <a:t>5/10/19</a:t>
             </a:fld>
             <a:endParaRPr lang="en-US" dirty="0"/>
           </a:p>
@@ -9483,7 +9484,7 @@
           <a:p>
             <a:fld id="{7C8D7E02-BCB8-4D50-A234-369438C08659}" type="datetimeFigureOut">
               <a:rPr lang="en-US" dirty="0"/>
-              <a:t>5/8/19</a:t>
+              <a:t>5/10/19</a:t>
             </a:fld>
             <a:endParaRPr lang="en-US" dirty="0"/>
           </a:p>
@@ -10560,7 +10561,7 @@
           <a:p>
             <a:fld id="{76E86A4C-8E40-4F87-A4F0-01A0687C5742}" type="datetimeFigureOut">
               <a:rPr lang="en-US" dirty="0"/>
-              <a:t>5/8/19</a:t>
+              <a:t>5/10/19</a:t>
             </a:fld>
             <a:endParaRPr lang="en-US" dirty="0"/>
           </a:p>
@@ -11664,7 +11665,7 @@
           <a:p>
             <a:fld id="{35E72C73-2D91-4E12-BA25-F0AA0C03599B}" type="datetimeFigureOut">
               <a:rPr lang="en-US" dirty="0"/>
-              <a:t>5/8/19</a:t>
+              <a:t>5/10/19</a:t>
             </a:fld>
             <a:endParaRPr lang="en-US" dirty="0"/>
           </a:p>
@@ -12657,7 +12658,7 @@
           <a:p>
             <a:fld id="{2BE451C3-0FF4-47C4-B829-773ADF60F88C}" type="datetimeFigureOut">
               <a:rPr lang="en-US" dirty="0"/>
-              <a:t>5/8/19</a:t>
+              <a:t>5/10/19</a:t>
             </a:fld>
             <a:endParaRPr lang="en-US" dirty="0"/>
           </a:p>
@@ -13514,12 +13515,6 @@
             </a:r>
           </a:p>
           <a:p>
-            <a:endParaRPr lang="en-IN" dirty="0"/>
-          </a:p>
-          <a:p>
-            <a:endParaRPr lang="en-IN" dirty="0"/>
-          </a:p>
-          <a:p>
             <a:endParaRPr lang="en-US" dirty="0"/>
           </a:p>
         </p:txBody>
@@ -13598,7 +13593,12 @@
             <p:ph idx="1"/>
           </p:nvPr>
         </p:nvSpPr>
-        <p:spPr/>
+        <p:spPr>
+          <a:xfrm>
+            <a:off x="1154954" y="2609556"/>
+            <a:ext cx="8825659" cy="3416300"/>
+          </a:xfrm>
+        </p:spPr>
         <p:txBody>
           <a:bodyPr>
             <a:normAutofit fontScale="92500" lnSpcReduction="20000"/>
@@ -13607,7 +13607,7 @@
           <a:p>
             <a:r>
               <a:rPr lang="en-US" dirty="0"/>
-              <a:t>EC2 (ECC) – Elastic Cloud Compute </a:t>
+              <a:t>EC2 (ECC) – Elastic Cloud Compute (IAAS)</a:t>
             </a:r>
           </a:p>
           <a:p>
@@ -16564,6 +16564,161 @@
           <p:cNvPr id="2" name="Title 1">
             <a:extLst>
               <a:ext uri="{FF2B5EF4-FFF2-40B4-BE49-F238E27FC236}">
+                <a16:creationId xmlns:a16="http://schemas.microsoft.com/office/drawing/2014/main" id="{13F49676-5507-D64D-B658-E86EBEFB412B}"/>
+              </a:ext>
+            </a:extLst>
+          </p:cNvPr>
+          <p:cNvSpPr>
+            <a:spLocks noGrp="1"/>
+          </p:cNvSpPr>
+          <p:nvPr>
+            <p:ph type="title"/>
+          </p:nvPr>
+        </p:nvSpPr>
+        <p:spPr/>
+        <p:txBody>
+          <a:bodyPr/>
+          <a:lstStyle/>
+          <a:p>
+            <a:r>
+              <a:rPr lang="en-US" dirty="0"/>
+              <a:t>AWS Important links </a:t>
+            </a:r>
+          </a:p>
+        </p:txBody>
+      </p:sp>
+      <p:sp>
+        <p:nvSpPr>
+          <p:cNvPr id="3" name="Content Placeholder 2">
+            <a:extLst>
+              <a:ext uri="{FF2B5EF4-FFF2-40B4-BE49-F238E27FC236}">
+                <a16:creationId xmlns:a16="http://schemas.microsoft.com/office/drawing/2014/main" id="{90A664FE-526C-114B-BF1F-57347CDF8102}"/>
+              </a:ext>
+            </a:extLst>
+          </p:cNvPr>
+          <p:cNvSpPr>
+            <a:spLocks noGrp="1"/>
+          </p:cNvSpPr>
+          <p:nvPr>
+            <p:ph idx="1"/>
+          </p:nvPr>
+        </p:nvSpPr>
+        <p:spPr/>
+        <p:txBody>
+          <a:bodyPr/>
+          <a:lstStyle/>
+          <a:p>
+            <a:r>
+              <a:rPr lang="en-US" dirty="0"/>
+              <a:t>AWS Site </a:t>
+            </a:r>
+            <a:r>
+              <a:rPr lang="en-US" dirty="0">
+                <a:sym typeface="Wingdings" pitchFamily="2" charset="2"/>
+              </a:rPr>
+              <a:t> https://</a:t>
+            </a:r>
+            <a:r>
+              <a:rPr lang="en-US" dirty="0" err="1">
+                <a:sym typeface="Wingdings" pitchFamily="2" charset="2"/>
+              </a:rPr>
+              <a:t>aws.amazon.com</a:t>
+            </a:r>
+            <a:endParaRPr lang="en-US" dirty="0">
+              <a:sym typeface="Wingdings" pitchFamily="2" charset="2"/>
+            </a:endParaRPr>
+          </a:p>
+          <a:p>
+            <a:r>
+              <a:rPr lang="en-US" dirty="0">
+                <a:sym typeface="Wingdings" pitchFamily="2" charset="2"/>
+              </a:rPr>
+              <a:t>AWS Documentation  </a:t>
+            </a:r>
+            <a:r>
+              <a:rPr lang="en-US" dirty="0">
+                <a:sym typeface="Wingdings" pitchFamily="2" charset="2"/>
+                <a:hlinkClick r:id="rId2"/>
+              </a:rPr>
+              <a:t>https://docs.aws.amazon.com</a:t>
+            </a:r>
+            <a:r>
+              <a:rPr lang="en-US" dirty="0">
+                <a:sym typeface="Wingdings" pitchFamily="2" charset="2"/>
+              </a:rPr>
+              <a:t> </a:t>
+            </a:r>
+            <a:endParaRPr lang="en-US" dirty="0"/>
+          </a:p>
+          <a:p>
+            <a:r>
+              <a:rPr lang="en-US" dirty="0"/>
+              <a:t>Monthly Billing Calculator - </a:t>
+            </a:r>
+            <a:r>
+              <a:rPr lang="en-IN" dirty="0">
+                <a:hlinkClick r:id="rId3"/>
+              </a:rPr>
+              <a:t>https://calculator.s3.amazonaws.com/index.html</a:t>
+            </a:r>
+            <a:endParaRPr lang="en-IN" dirty="0"/>
+          </a:p>
+          <a:p>
+            <a:r>
+              <a:rPr lang="en-IN" dirty="0"/>
+              <a:t>General Pricing calculator -- </a:t>
+            </a:r>
+            <a:r>
+              <a:rPr lang="en-IN" dirty="0">
+                <a:hlinkClick r:id="rId4"/>
+              </a:rPr>
+              <a:t>https://calculator.aws/#/configureEc2</a:t>
+            </a:r>
+            <a:r>
+              <a:rPr lang="en-IN" dirty="0"/>
+              <a:t> </a:t>
+            </a:r>
+          </a:p>
+          <a:p>
+            <a:endParaRPr lang="en-US" dirty="0"/>
+          </a:p>
+        </p:txBody>
+      </p:sp>
+    </p:spTree>
+    <p:extLst>
+      <p:ext uri="{BB962C8B-B14F-4D97-AF65-F5344CB8AC3E}">
+        <p14:creationId xmlns:p14="http://schemas.microsoft.com/office/powerpoint/2010/main" val="2599027443"/>
+      </p:ext>
+    </p:extLst>
+  </p:cSld>
+  <p:clrMapOvr>
+    <a:masterClrMapping/>
+  </p:clrMapOvr>
+</p:sld>
+</file>
+
+<file path=ppt/slides/slide26.xml><?xml version="1.0" encoding="utf-8"?>
+<p:sld xmlns:a="http://schemas.openxmlformats.org/drawingml/2006/main" xmlns:r="http://schemas.openxmlformats.org/officeDocument/2006/relationships" xmlns:p="http://schemas.openxmlformats.org/presentationml/2006/main">
+  <p:cSld>
+    <p:spTree>
+      <p:nvGrpSpPr>
+        <p:cNvPr id="1" name=""/>
+        <p:cNvGrpSpPr/>
+        <p:nvPr/>
+      </p:nvGrpSpPr>
+      <p:grpSpPr>
+        <a:xfrm>
+          <a:off x="0" y="0"/>
+          <a:ext cx="0" cy="0"/>
+          <a:chOff x="0" y="0"/>
+          <a:chExt cx="0" cy="0"/>
+        </a:xfrm>
+      </p:grpSpPr>
+      <p:sp>
+        <p:nvSpPr>
+          <p:cNvPr id="2" name="Title 1">
+            <a:extLst>
+              <a:ext uri="{FF2B5EF4-FFF2-40B4-BE49-F238E27FC236}">
                 <a16:creationId xmlns:a16="http://schemas.microsoft.com/office/drawing/2014/main" id="{7A1169E2-7C2E-0747-A294-4C77AC9CFB15}"/>
               </a:ext>
             </a:extLst>
@@ -17875,7 +18030,7 @@
         </p:nvSpPr>
         <p:spPr>
           <a:xfrm>
-            <a:off x="6585079" y="1417278"/>
+            <a:off x="6585079" y="1483894"/>
             <a:ext cx="3395534" cy="490506"/>
           </a:xfrm>
           <a:prstGeom prst="rect">
